--- a/최종 발표.pptx
+++ b/최종 발표.pptx
@@ -3443,7 +3443,6 @@
           <a:bodyPr/>
           <a:lstStyle/>
           <a:p>
-            <a:pPr algn="ctr"/>
             <a:r>
               <a:rPr lang="en-US" altLang="ko-KR" dirty="0"/>
               <a:t>Commit History</a:t>
@@ -3535,7 +3534,6 @@
           <a:bodyPr/>
           <a:lstStyle/>
           <a:p>
-            <a:pPr algn="ctr"/>
             <a:r>
               <a:rPr lang="ko-KR" altLang="en-US" dirty="0"/>
               <a:t>주차 별 </a:t>
